--- a/doc/Презентация.pptx
+++ b/doc/Презентация.pptx
@@ -7,8 +7,12 @@
   <p:sldIdLst>
     <p:sldId id="256" r:id="rId2"/>
     <p:sldId id="257" r:id="rId3"/>
-    <p:sldId id="258" r:id="rId4"/>
-    <p:sldId id="259" r:id="rId5"/>
+    <p:sldId id="263" r:id="rId4"/>
+    <p:sldId id="258" r:id="rId5"/>
+    <p:sldId id="260" r:id="rId6"/>
+    <p:sldId id="261" r:id="rId7"/>
+    <p:sldId id="262" r:id="rId8"/>
+    <p:sldId id="259" r:id="rId9"/>
   </p:sldIdLst>
   <p:sldSz cx="12192000" cy="6858000"/>
   <p:notesSz cx="6858000" cy="9144000"/>
@@ -107,6 +111,11 @@
       </a:defRPr>
     </a:lvl9pPr>
   </p:defaultTextStyle>
+  <p:extLst>
+    <p:ext uri="{EFAFB233-063F-42B5-8137-9DF3F51BA10A}">
+      <p15:sldGuideLst xmlns:p15="http://schemas.microsoft.com/office/powerpoint/2012/main"/>
+    </p:ext>
+  </p:extLst>
 </p:presentation>
 </file>
 
@@ -257,7 +266,7 @@
           <a:p>
             <a:fld id="{A56B3104-BF7C-422E-BDD6-FF069AA99B68}" type="datetimeFigureOut">
               <a:rPr lang="ru-RU" smtClean="0"/>
-              <a:t>13.04.2023</a:t>
+              <a:t>24.04.2023</a:t>
             </a:fld>
             <a:endParaRPr lang="ru-RU"/>
           </a:p>
@@ -455,7 +464,7 @@
           <a:p>
             <a:fld id="{A56B3104-BF7C-422E-BDD6-FF069AA99B68}" type="datetimeFigureOut">
               <a:rPr lang="ru-RU" smtClean="0"/>
-              <a:t>13.04.2023</a:t>
+              <a:t>24.04.2023</a:t>
             </a:fld>
             <a:endParaRPr lang="ru-RU"/>
           </a:p>
@@ -663,7 +672,7 @@
           <a:p>
             <a:fld id="{A56B3104-BF7C-422E-BDD6-FF069AA99B68}" type="datetimeFigureOut">
               <a:rPr lang="ru-RU" smtClean="0"/>
-              <a:t>13.04.2023</a:t>
+              <a:t>24.04.2023</a:t>
             </a:fld>
             <a:endParaRPr lang="ru-RU"/>
           </a:p>
@@ -861,7 +870,7 @@
           <a:p>
             <a:fld id="{A56B3104-BF7C-422E-BDD6-FF069AA99B68}" type="datetimeFigureOut">
               <a:rPr lang="ru-RU" smtClean="0"/>
-              <a:t>13.04.2023</a:t>
+              <a:t>24.04.2023</a:t>
             </a:fld>
             <a:endParaRPr lang="ru-RU"/>
           </a:p>
@@ -1136,7 +1145,7 @@
           <a:p>
             <a:fld id="{A56B3104-BF7C-422E-BDD6-FF069AA99B68}" type="datetimeFigureOut">
               <a:rPr lang="ru-RU" smtClean="0"/>
-              <a:t>13.04.2023</a:t>
+              <a:t>24.04.2023</a:t>
             </a:fld>
             <a:endParaRPr lang="ru-RU"/>
           </a:p>
@@ -1401,7 +1410,7 @@
           <a:p>
             <a:fld id="{A56B3104-BF7C-422E-BDD6-FF069AA99B68}" type="datetimeFigureOut">
               <a:rPr lang="ru-RU" smtClean="0"/>
-              <a:t>13.04.2023</a:t>
+              <a:t>24.04.2023</a:t>
             </a:fld>
             <a:endParaRPr lang="ru-RU"/>
           </a:p>
@@ -1813,7 +1822,7 @@
           <a:p>
             <a:fld id="{A56B3104-BF7C-422E-BDD6-FF069AA99B68}" type="datetimeFigureOut">
               <a:rPr lang="ru-RU" smtClean="0"/>
-              <a:t>13.04.2023</a:t>
+              <a:t>24.04.2023</a:t>
             </a:fld>
             <a:endParaRPr lang="ru-RU"/>
           </a:p>
@@ -1954,7 +1963,7 @@
           <a:p>
             <a:fld id="{A56B3104-BF7C-422E-BDD6-FF069AA99B68}" type="datetimeFigureOut">
               <a:rPr lang="ru-RU" smtClean="0"/>
-              <a:t>13.04.2023</a:t>
+              <a:t>24.04.2023</a:t>
             </a:fld>
             <a:endParaRPr lang="ru-RU"/>
           </a:p>
@@ -2067,7 +2076,7 @@
           <a:p>
             <a:fld id="{A56B3104-BF7C-422E-BDD6-FF069AA99B68}" type="datetimeFigureOut">
               <a:rPr lang="ru-RU" smtClean="0"/>
-              <a:t>13.04.2023</a:t>
+              <a:t>24.04.2023</a:t>
             </a:fld>
             <a:endParaRPr lang="ru-RU"/>
           </a:p>
@@ -2378,7 +2387,7 @@
           <a:p>
             <a:fld id="{A56B3104-BF7C-422E-BDD6-FF069AA99B68}" type="datetimeFigureOut">
               <a:rPr lang="ru-RU" smtClean="0"/>
-              <a:t>13.04.2023</a:t>
+              <a:t>24.04.2023</a:t>
             </a:fld>
             <a:endParaRPr lang="ru-RU"/>
           </a:p>
@@ -2666,7 +2675,7 @@
           <a:p>
             <a:fld id="{A56B3104-BF7C-422E-BDD6-FF069AA99B68}" type="datetimeFigureOut">
               <a:rPr lang="ru-RU" smtClean="0"/>
-              <a:t>13.04.2023</a:t>
+              <a:t>24.04.2023</a:t>
             </a:fld>
             <a:endParaRPr lang="ru-RU"/>
           </a:p>
@@ -2907,7 +2916,7 @@
           <a:p>
             <a:fld id="{A56B3104-BF7C-422E-BDD6-FF069AA99B68}" type="datetimeFigureOut">
               <a:rPr lang="ru-RU" smtClean="0"/>
-              <a:t>13.04.2023</a:t>
+              <a:t>24.04.2023</a:t>
             </a:fld>
             <a:endParaRPr lang="ru-RU"/>
           </a:p>
@@ -3574,7 +3583,7 @@
           <p:cNvPr id="2" name="TextBox 1">
             <a:extLst>
               <a:ext uri="{FF2B5EF4-FFF2-40B4-BE49-F238E27FC236}">
-                <a16:creationId xmlns:a16="http://schemas.microsoft.com/office/drawing/2014/main" id="{78E4C2FB-79C0-4485-836A-943545761BA2}"/>
+                <a16:creationId xmlns:a16="http://schemas.microsoft.com/office/drawing/2014/main" id="{AD4A88F4-01F3-4869-B10F-0152A992E682}"/>
               </a:ext>
             </a:extLst>
           </p:cNvPr>
@@ -3583,8 +3592,8 @@
         </p:nvSpPr>
         <p:spPr>
           <a:xfrm>
-            <a:off x="5347335" y="2274838"/>
-            <a:ext cx="1497330" cy="2308324"/>
+            <a:off x="2912745" y="160020"/>
+            <a:ext cx="6366510" cy="646331"/>
           </a:xfrm>
           <a:prstGeom prst="rect">
             <a:avLst/>
@@ -3598,8 +3607,317 @@
           <a:lstStyle/>
           <a:p>
             <a:r>
-              <a:rPr lang="ru-RU" dirty="0"/>
-              <a:t>Описание реализации будет добавлено после окончания работы над проектом</a:t>
+              <a:rPr lang="ru-RU" sz="3600" dirty="0">
+                <a:latin typeface="Franklin Gothic Heavy" panose="020B0903020102020204" pitchFamily="34" charset="0"/>
+              </a:rPr>
+              <a:t>Регистрация и авторизация</a:t>
+            </a:r>
+          </a:p>
+        </p:txBody>
+      </p:sp>
+      <p:pic>
+        <p:nvPicPr>
+          <p:cNvPr id="3" name="Рисунок 2">
+            <a:extLst>
+              <a:ext uri="{FF2B5EF4-FFF2-40B4-BE49-F238E27FC236}">
+                <a16:creationId xmlns:a16="http://schemas.microsoft.com/office/drawing/2014/main" id="{07F7D704-10C2-4655-84AB-ADE79451D833}"/>
+              </a:ext>
+            </a:extLst>
+          </p:cNvPr>
+          <p:cNvPicPr>
+            <a:picLocks noChangeAspect="1"/>
+          </p:cNvPicPr>
+          <p:nvPr/>
+        </p:nvPicPr>
+        <p:blipFill>
+          <a:blip r:embed="rId2"/>
+          <a:stretch>
+            <a:fillRect/>
+          </a:stretch>
+        </p:blipFill>
+        <p:spPr>
+          <a:xfrm>
+            <a:off x="2429451" y="2823210"/>
+            <a:ext cx="7333097" cy="1943156"/>
+          </a:xfrm>
+          <a:prstGeom prst="rect">
+            <a:avLst/>
+          </a:prstGeom>
+        </p:spPr>
+      </p:pic>
+      <p:pic>
+        <p:nvPicPr>
+          <p:cNvPr id="4" name="Рисунок 3">
+            <a:extLst>
+              <a:ext uri="{FF2B5EF4-FFF2-40B4-BE49-F238E27FC236}">
+                <a16:creationId xmlns:a16="http://schemas.microsoft.com/office/drawing/2014/main" id="{D1B41FB0-9382-4E8F-8430-0ACF1A75F2DD}"/>
+              </a:ext>
+            </a:extLst>
+          </p:cNvPr>
+          <p:cNvPicPr>
+            <a:picLocks noChangeAspect="1"/>
+          </p:cNvPicPr>
+          <p:nvPr/>
+        </p:nvPicPr>
+        <p:blipFill>
+          <a:blip r:embed="rId3"/>
+          <a:stretch>
+            <a:fillRect/>
+          </a:stretch>
+        </p:blipFill>
+        <p:spPr>
+          <a:xfrm>
+            <a:off x="2548804" y="2903220"/>
+            <a:ext cx="1920243" cy="240030"/>
+          </a:xfrm>
+          <a:prstGeom prst="rect">
+            <a:avLst/>
+          </a:prstGeom>
+        </p:spPr>
+      </p:pic>
+      <p:pic>
+        <p:nvPicPr>
+          <p:cNvPr id="5" name="Рисунок 4">
+            <a:extLst>
+              <a:ext uri="{FF2B5EF4-FFF2-40B4-BE49-F238E27FC236}">
+                <a16:creationId xmlns:a16="http://schemas.microsoft.com/office/drawing/2014/main" id="{D9AA983E-6CCC-4B98-99F5-FCFEC5974402}"/>
+              </a:ext>
+            </a:extLst>
+          </p:cNvPr>
+          <p:cNvPicPr>
+            <a:picLocks noChangeAspect="1"/>
+          </p:cNvPicPr>
+          <p:nvPr/>
+        </p:nvPicPr>
+        <p:blipFill>
+          <a:blip r:embed="rId4"/>
+          <a:stretch>
+            <a:fillRect/>
+          </a:stretch>
+        </p:blipFill>
+        <p:spPr>
+          <a:xfrm>
+            <a:off x="8296362" y="2903220"/>
+            <a:ext cx="1346834" cy="240030"/>
+          </a:xfrm>
+          <a:prstGeom prst="rect">
+            <a:avLst/>
+          </a:prstGeom>
+        </p:spPr>
+      </p:pic>
+    </p:spTree>
+    <p:extLst>
+      <p:ext uri="{BB962C8B-B14F-4D97-AF65-F5344CB8AC3E}">
+        <p14:creationId xmlns:p14="http://schemas.microsoft.com/office/powerpoint/2010/main" val="2138097678"/>
+      </p:ext>
+    </p:extLst>
+  </p:cSld>
+  <p:clrMapOvr>
+    <a:masterClrMapping/>
+  </p:clrMapOvr>
+</p:sld>
+</file>
+
+<file path=ppt/slides/slide4.xml><?xml version="1.0" encoding="utf-8"?>
+<p:sld xmlns:a="http://schemas.openxmlformats.org/drawingml/2006/main" xmlns:r="http://schemas.openxmlformats.org/officeDocument/2006/relationships" xmlns:p="http://schemas.openxmlformats.org/presentationml/2006/main">
+  <p:cSld>
+    <p:spTree>
+      <p:nvGrpSpPr>
+        <p:cNvPr id="1" name=""/>
+        <p:cNvGrpSpPr/>
+        <p:nvPr/>
+      </p:nvGrpSpPr>
+      <p:grpSpPr>
+        <a:xfrm>
+          <a:off x="0" y="0"/>
+          <a:ext cx="0" cy="0"/>
+          <a:chOff x="0" y="0"/>
+          <a:chExt cx="0" cy="0"/>
+        </a:xfrm>
+      </p:grpSpPr>
+      <p:pic>
+        <p:nvPicPr>
+          <p:cNvPr id="3" name="Рисунок 2">
+            <a:extLst>
+              <a:ext uri="{FF2B5EF4-FFF2-40B4-BE49-F238E27FC236}">
+                <a16:creationId xmlns:a16="http://schemas.microsoft.com/office/drawing/2014/main" id="{7FBB37BE-8FEF-488B-9256-318AEBE29C0C}"/>
+              </a:ext>
+            </a:extLst>
+          </p:cNvPr>
+          <p:cNvPicPr>
+            <a:picLocks noChangeAspect="1"/>
+          </p:cNvPicPr>
+          <p:nvPr/>
+        </p:nvPicPr>
+        <p:blipFill rotWithShape="1">
+          <a:blip r:embed="rId2"/>
+          <a:srcRect b="90610"/>
+          <a:stretch/>
+        </p:blipFill>
+        <p:spPr>
+          <a:xfrm>
+            <a:off x="1191405" y="3117814"/>
+            <a:ext cx="9809189" cy="622372"/>
+          </a:xfrm>
+          <a:prstGeom prst="rect">
+            <a:avLst/>
+          </a:prstGeom>
+        </p:spPr>
+      </p:pic>
+      <p:pic>
+        <p:nvPicPr>
+          <p:cNvPr id="4" name="Рисунок 3">
+            <a:extLst>
+              <a:ext uri="{FF2B5EF4-FFF2-40B4-BE49-F238E27FC236}">
+                <a16:creationId xmlns:a16="http://schemas.microsoft.com/office/drawing/2014/main" id="{FF047E12-C4CA-4DCA-9FBA-99AFD7E7E4B3}"/>
+              </a:ext>
+            </a:extLst>
+          </p:cNvPr>
+          <p:cNvPicPr>
+            <a:picLocks noChangeAspect="1"/>
+          </p:cNvPicPr>
+          <p:nvPr/>
+        </p:nvPicPr>
+        <p:blipFill>
+          <a:blip r:embed="rId3"/>
+          <a:stretch>
+            <a:fillRect/>
+          </a:stretch>
+        </p:blipFill>
+        <p:spPr>
+          <a:xfrm>
+            <a:off x="1461983" y="3885236"/>
+            <a:ext cx="1495634" cy="161948"/>
+          </a:xfrm>
+          <a:prstGeom prst="rect">
+            <a:avLst/>
+          </a:prstGeom>
+        </p:spPr>
+      </p:pic>
+      <p:pic>
+        <p:nvPicPr>
+          <p:cNvPr id="5" name="Рисунок 4">
+            <a:extLst>
+              <a:ext uri="{FF2B5EF4-FFF2-40B4-BE49-F238E27FC236}">
+                <a16:creationId xmlns:a16="http://schemas.microsoft.com/office/drawing/2014/main" id="{2D823285-05EC-482D-AC67-B1722C32FBD8}"/>
+              </a:ext>
+            </a:extLst>
+          </p:cNvPr>
+          <p:cNvPicPr>
+            <a:picLocks noChangeAspect="1"/>
+          </p:cNvPicPr>
+          <p:nvPr/>
+        </p:nvPicPr>
+        <p:blipFill>
+          <a:blip r:embed="rId4"/>
+          <a:stretch>
+            <a:fillRect/>
+          </a:stretch>
+        </p:blipFill>
+        <p:spPr>
+          <a:xfrm>
+            <a:off x="3634631" y="3885236"/>
+            <a:ext cx="1562318" cy="161948"/>
+          </a:xfrm>
+          <a:prstGeom prst="rect">
+            <a:avLst/>
+          </a:prstGeom>
+        </p:spPr>
+      </p:pic>
+      <p:pic>
+        <p:nvPicPr>
+          <p:cNvPr id="6" name="Рисунок 5">
+            <a:extLst>
+              <a:ext uri="{FF2B5EF4-FFF2-40B4-BE49-F238E27FC236}">
+                <a16:creationId xmlns:a16="http://schemas.microsoft.com/office/drawing/2014/main" id="{0754FC82-50A9-48E9-9973-BCDB86B88FBA}"/>
+              </a:ext>
+            </a:extLst>
+          </p:cNvPr>
+          <p:cNvPicPr>
+            <a:picLocks noChangeAspect="1"/>
+          </p:cNvPicPr>
+          <p:nvPr/>
+        </p:nvPicPr>
+        <p:blipFill>
+          <a:blip r:embed="rId5"/>
+          <a:stretch>
+            <a:fillRect/>
+          </a:stretch>
+        </p:blipFill>
+        <p:spPr>
+          <a:xfrm>
+            <a:off x="5970052" y="3885236"/>
+            <a:ext cx="1812748" cy="163233"/>
+          </a:xfrm>
+          <a:prstGeom prst="rect">
+            <a:avLst/>
+          </a:prstGeom>
+        </p:spPr>
+      </p:pic>
+      <p:pic>
+        <p:nvPicPr>
+          <p:cNvPr id="7" name="Рисунок 6">
+            <a:extLst>
+              <a:ext uri="{FF2B5EF4-FFF2-40B4-BE49-F238E27FC236}">
+                <a16:creationId xmlns:a16="http://schemas.microsoft.com/office/drawing/2014/main" id="{5C76B042-8B9A-4A14-8691-0B6771B4432A}"/>
+              </a:ext>
+            </a:extLst>
+          </p:cNvPr>
+          <p:cNvPicPr>
+            <a:picLocks noChangeAspect="1"/>
+          </p:cNvPicPr>
+          <p:nvPr/>
+        </p:nvPicPr>
+        <p:blipFill>
+          <a:blip r:embed="rId6"/>
+          <a:stretch>
+            <a:fillRect/>
+          </a:stretch>
+        </p:blipFill>
+        <p:spPr>
+          <a:xfrm>
+            <a:off x="8801955" y="3885236"/>
+            <a:ext cx="1400370" cy="161948"/>
+          </a:xfrm>
+          <a:prstGeom prst="rect">
+            <a:avLst/>
+          </a:prstGeom>
+        </p:spPr>
+      </p:pic>
+      <p:sp>
+        <p:nvSpPr>
+          <p:cNvPr id="8" name="TextBox 7">
+            <a:extLst>
+              <a:ext uri="{FF2B5EF4-FFF2-40B4-BE49-F238E27FC236}">
+                <a16:creationId xmlns:a16="http://schemas.microsoft.com/office/drawing/2014/main" id="{1824F121-5678-4699-8802-311D1EF42269}"/>
+              </a:ext>
+            </a:extLst>
+          </p:cNvPr>
+          <p:cNvSpPr txBox="1"/>
+          <p:nvPr/>
+        </p:nvSpPr>
+        <p:spPr>
+          <a:xfrm>
+            <a:off x="2851567" y="571500"/>
+            <a:ext cx="6236970" cy="1200329"/>
+          </a:xfrm>
+          <a:prstGeom prst="rect">
+            <a:avLst/>
+          </a:prstGeom>
+          <a:noFill/>
+        </p:spPr>
+        <p:txBody>
+          <a:bodyPr wrap="square" rtlCol="0">
+            <a:spAutoFit/>
+          </a:bodyPr>
+          <a:lstStyle/>
+          <a:p>
+            <a:pPr algn="ctr"/>
+            <a:r>
+              <a:rPr lang="ru-RU" sz="3600" dirty="0">
+                <a:latin typeface="Franklin Gothic Heavy" panose="020B0903020102020204" pitchFamily="34" charset="0"/>
+              </a:rPr>
+              <a:t>Навигационная панель и сортировка объявлений</a:t>
             </a:r>
           </a:p>
         </p:txBody>
@@ -3617,7 +3935,1730 @@
 </p:sld>
 </file>
 
-<file path=ppt/slides/slide4.xml><?xml version="1.0" encoding="utf-8"?>
+<file path=ppt/slides/slide5.xml><?xml version="1.0" encoding="utf-8"?>
+<p:sld xmlns:a="http://schemas.openxmlformats.org/drawingml/2006/main" xmlns:r="http://schemas.openxmlformats.org/officeDocument/2006/relationships" xmlns:p="http://schemas.openxmlformats.org/presentationml/2006/main">
+  <p:cSld>
+    <p:spTree>
+      <p:nvGrpSpPr>
+        <p:cNvPr id="1" name=""/>
+        <p:cNvGrpSpPr/>
+        <p:nvPr/>
+      </p:nvGrpSpPr>
+      <p:grpSpPr>
+        <a:xfrm>
+          <a:off x="0" y="0"/>
+          <a:ext cx="0" cy="0"/>
+          <a:chOff x="0" y="0"/>
+          <a:chExt cx="0" cy="0"/>
+        </a:xfrm>
+      </p:grpSpPr>
+      <p:sp>
+        <p:nvSpPr>
+          <p:cNvPr id="2" name="TextBox 1">
+            <a:extLst>
+              <a:ext uri="{FF2B5EF4-FFF2-40B4-BE49-F238E27FC236}">
+                <a16:creationId xmlns:a16="http://schemas.microsoft.com/office/drawing/2014/main" id="{DB2A4A37-6034-4FF3-8B7B-FA2C2F29329E}"/>
+              </a:ext>
+            </a:extLst>
+          </p:cNvPr>
+          <p:cNvSpPr txBox="1"/>
+          <p:nvPr/>
+        </p:nvSpPr>
+        <p:spPr>
+          <a:xfrm>
+            <a:off x="4514850" y="320040"/>
+            <a:ext cx="3162300" cy="707886"/>
+          </a:xfrm>
+          <a:prstGeom prst="rect">
+            <a:avLst/>
+          </a:prstGeom>
+          <a:noFill/>
+        </p:spPr>
+        <p:txBody>
+          <a:bodyPr wrap="square" rtlCol="0">
+            <a:spAutoFit/>
+          </a:bodyPr>
+          <a:lstStyle/>
+          <a:p>
+            <a:r>
+              <a:rPr lang="ru-RU" sz="4000" dirty="0">
+                <a:latin typeface="Franklin Gothic Heavy" panose="020B0903020102020204" pitchFamily="34" charset="0"/>
+              </a:rPr>
+              <a:t>Объявления</a:t>
+            </a:r>
+          </a:p>
+        </p:txBody>
+      </p:sp>
+      <p:pic>
+        <p:nvPicPr>
+          <p:cNvPr id="3" name="Рисунок 2">
+            <a:extLst>
+              <a:ext uri="{FF2B5EF4-FFF2-40B4-BE49-F238E27FC236}">
+                <a16:creationId xmlns:a16="http://schemas.microsoft.com/office/drawing/2014/main" id="{FDE69504-0BD0-4C19-9DCE-324860C9985E}"/>
+              </a:ext>
+            </a:extLst>
+          </p:cNvPr>
+          <p:cNvPicPr/>
+          <p:nvPr/>
+        </p:nvPicPr>
+        <p:blipFill rotWithShape="1">
+          <a:blip r:embed="rId2"/>
+          <a:srcRect t="699"/>
+          <a:stretch/>
+        </p:blipFill>
+        <p:spPr bwMode="auto">
+          <a:xfrm>
+            <a:off x="1875313" y="1713547"/>
+            <a:ext cx="8441373" cy="4218623"/>
+          </a:xfrm>
+          <a:prstGeom prst="rect">
+            <a:avLst/>
+          </a:prstGeom>
+          <a:ln>
+            <a:noFill/>
+          </a:ln>
+          <a:extLst>
+            <a:ext uri="{53640926-AAD7-44D8-BBD7-CCE9431645EC}">
+              <a14:shadowObscured xmlns:a14="http://schemas.microsoft.com/office/drawing/2010/main"/>
+            </a:ext>
+          </a:extLst>
+        </p:spPr>
+      </p:pic>
+    </p:spTree>
+    <p:extLst>
+      <p:ext uri="{BB962C8B-B14F-4D97-AF65-F5344CB8AC3E}">
+        <p14:creationId xmlns:p14="http://schemas.microsoft.com/office/powerpoint/2010/main" val="1655996657"/>
+      </p:ext>
+    </p:extLst>
+  </p:cSld>
+  <p:clrMapOvr>
+    <a:masterClrMapping/>
+  </p:clrMapOvr>
+</p:sld>
+</file>
+
+<file path=ppt/slides/slide6.xml><?xml version="1.0" encoding="utf-8"?>
+<p:sld xmlns:a="http://schemas.openxmlformats.org/drawingml/2006/main" xmlns:r="http://schemas.openxmlformats.org/officeDocument/2006/relationships" xmlns:p="http://schemas.openxmlformats.org/presentationml/2006/main">
+  <p:cSld>
+    <p:spTree>
+      <p:nvGrpSpPr>
+        <p:cNvPr id="1" name=""/>
+        <p:cNvGrpSpPr/>
+        <p:nvPr/>
+      </p:nvGrpSpPr>
+      <p:grpSpPr>
+        <a:xfrm>
+          <a:off x="0" y="0"/>
+          <a:ext cx="0" cy="0"/>
+          <a:chOff x="0" y="0"/>
+          <a:chExt cx="0" cy="0"/>
+        </a:xfrm>
+      </p:grpSpPr>
+      <p:sp>
+        <p:nvSpPr>
+          <p:cNvPr id="3" name="TextBox 2">
+            <a:extLst>
+              <a:ext uri="{FF2B5EF4-FFF2-40B4-BE49-F238E27FC236}">
+                <a16:creationId xmlns:a16="http://schemas.microsoft.com/office/drawing/2014/main" id="{0670BD69-3BF8-4486-9CBD-00892787DFB0}"/>
+              </a:ext>
+            </a:extLst>
+          </p:cNvPr>
+          <p:cNvSpPr txBox="1"/>
+          <p:nvPr/>
+        </p:nvSpPr>
+        <p:spPr>
+          <a:xfrm>
+            <a:off x="4101465" y="171450"/>
+            <a:ext cx="3989070" cy="646331"/>
+          </a:xfrm>
+          <a:prstGeom prst="rect">
+            <a:avLst/>
+          </a:prstGeom>
+          <a:noFill/>
+        </p:spPr>
+        <p:txBody>
+          <a:bodyPr wrap="square" rtlCol="0">
+            <a:spAutoFit/>
+          </a:bodyPr>
+          <a:lstStyle/>
+          <a:p>
+            <a:r>
+              <a:rPr lang="ru-RU" sz="3600" dirty="0">
+                <a:latin typeface="Franklin Gothic Heavy" panose="020B0903020102020204" pitchFamily="34" charset="0"/>
+              </a:rPr>
+              <a:t>Структура фирм</a:t>
+            </a:r>
+          </a:p>
+        </p:txBody>
+      </p:sp>
+      <p:pic>
+        <p:nvPicPr>
+          <p:cNvPr id="4" name="Рисунок 3">
+            <a:extLst>
+              <a:ext uri="{FF2B5EF4-FFF2-40B4-BE49-F238E27FC236}">
+                <a16:creationId xmlns:a16="http://schemas.microsoft.com/office/drawing/2014/main" id="{3933C9E3-0C6C-4109-AE52-22AFA3B4E76B}"/>
+              </a:ext>
+            </a:extLst>
+          </p:cNvPr>
+          <p:cNvPicPr>
+            <a:picLocks noChangeAspect="1"/>
+          </p:cNvPicPr>
+          <p:nvPr/>
+        </p:nvPicPr>
+        <p:blipFill>
+          <a:blip r:embed="rId2"/>
+          <a:stretch>
+            <a:fillRect/>
+          </a:stretch>
+        </p:blipFill>
+        <p:spPr>
+          <a:xfrm>
+            <a:off x="443661" y="394588"/>
+            <a:ext cx="2915057" cy="200053"/>
+          </a:xfrm>
+          <a:prstGeom prst="rect">
+            <a:avLst/>
+          </a:prstGeom>
+        </p:spPr>
+      </p:pic>
+      <p:pic>
+        <p:nvPicPr>
+          <p:cNvPr id="5" name="Рисунок 4">
+            <a:extLst>
+              <a:ext uri="{FF2B5EF4-FFF2-40B4-BE49-F238E27FC236}">
+                <a16:creationId xmlns:a16="http://schemas.microsoft.com/office/drawing/2014/main" id="{F7038FB9-E3CE-4C77-83D8-C37E5E72BAE8}"/>
+              </a:ext>
+            </a:extLst>
+          </p:cNvPr>
+          <p:cNvPicPr>
+            <a:picLocks noChangeAspect="1"/>
+          </p:cNvPicPr>
+          <p:nvPr/>
+        </p:nvPicPr>
+        <p:blipFill>
+          <a:blip r:embed="rId3"/>
+          <a:stretch>
+            <a:fillRect/>
+          </a:stretch>
+        </p:blipFill>
+        <p:spPr>
+          <a:xfrm>
+            <a:off x="4933788" y="1566850"/>
+            <a:ext cx="2324424" cy="181000"/>
+          </a:xfrm>
+          <a:prstGeom prst="rect">
+            <a:avLst/>
+          </a:prstGeom>
+        </p:spPr>
+      </p:pic>
+      <p:sp>
+        <p:nvSpPr>
+          <p:cNvPr id="6" name="TextBox 5">
+            <a:extLst>
+              <a:ext uri="{FF2B5EF4-FFF2-40B4-BE49-F238E27FC236}">
+                <a16:creationId xmlns:a16="http://schemas.microsoft.com/office/drawing/2014/main" id="{4AD5BCC6-BFD1-4691-AB99-4968699A1E3A}"/>
+              </a:ext>
+            </a:extLst>
+          </p:cNvPr>
+          <p:cNvSpPr txBox="1"/>
+          <p:nvPr/>
+        </p:nvSpPr>
+        <p:spPr>
+          <a:xfrm>
+            <a:off x="5512117" y="1197518"/>
+            <a:ext cx="1167765" cy="369332"/>
+          </a:xfrm>
+          <a:prstGeom prst="rect">
+            <a:avLst/>
+          </a:prstGeom>
+          <a:noFill/>
+        </p:spPr>
+        <p:txBody>
+          <a:bodyPr wrap="square" rtlCol="0">
+            <a:spAutoFit/>
+          </a:bodyPr>
+          <a:lstStyle/>
+          <a:p>
+            <a:r>
+              <a:rPr lang="ru-RU" dirty="0">
+                <a:latin typeface="Franklin Gothic Demi" panose="020B0703020102020204" pitchFamily="34" charset="0"/>
+              </a:rPr>
+              <a:t>Директор</a:t>
+            </a:r>
+          </a:p>
+        </p:txBody>
+      </p:sp>
+      <p:pic>
+        <p:nvPicPr>
+          <p:cNvPr id="7" name="Рисунок 6">
+            <a:extLst>
+              <a:ext uri="{FF2B5EF4-FFF2-40B4-BE49-F238E27FC236}">
+                <a16:creationId xmlns:a16="http://schemas.microsoft.com/office/drawing/2014/main" id="{71CD31D7-EF61-4956-BA39-F657A86B3CAF}"/>
+              </a:ext>
+            </a:extLst>
+          </p:cNvPr>
+          <p:cNvPicPr>
+            <a:picLocks noChangeAspect="1"/>
+          </p:cNvPicPr>
+          <p:nvPr/>
+        </p:nvPicPr>
+        <p:blipFill>
+          <a:blip r:embed="rId4"/>
+          <a:stretch>
+            <a:fillRect/>
+          </a:stretch>
+        </p:blipFill>
+        <p:spPr>
+          <a:xfrm>
+            <a:off x="5014760" y="3333736"/>
+            <a:ext cx="2162477" cy="190527"/>
+          </a:xfrm>
+          <a:prstGeom prst="rect">
+            <a:avLst/>
+          </a:prstGeom>
+        </p:spPr>
+      </p:pic>
+      <p:sp>
+        <p:nvSpPr>
+          <p:cNvPr id="8" name="TextBox 7">
+            <a:extLst>
+              <a:ext uri="{FF2B5EF4-FFF2-40B4-BE49-F238E27FC236}">
+                <a16:creationId xmlns:a16="http://schemas.microsoft.com/office/drawing/2014/main" id="{EB8C6C50-B32E-47F9-9AF5-1A8F4133879D}"/>
+              </a:ext>
+            </a:extLst>
+          </p:cNvPr>
+          <p:cNvSpPr txBox="1"/>
+          <p:nvPr/>
+        </p:nvSpPr>
+        <p:spPr>
+          <a:xfrm>
+            <a:off x="5423056" y="2964404"/>
+            <a:ext cx="1345883" cy="369332"/>
+          </a:xfrm>
+          <a:prstGeom prst="rect">
+            <a:avLst/>
+          </a:prstGeom>
+          <a:noFill/>
+        </p:spPr>
+        <p:txBody>
+          <a:bodyPr wrap="square" rtlCol="0">
+            <a:spAutoFit/>
+          </a:bodyPr>
+          <a:lstStyle/>
+          <a:p>
+            <a:r>
+              <a:rPr lang="ru-RU" dirty="0">
+                <a:latin typeface="Franklin Gothic Demi" panose="020B0703020102020204" pitchFamily="34" charset="0"/>
+              </a:rPr>
+              <a:t>Начальник</a:t>
+            </a:r>
+          </a:p>
+        </p:txBody>
+      </p:sp>
+      <p:cxnSp>
+        <p:nvCxnSpPr>
+          <p:cNvPr id="13" name="Прямая соединительная линия 12">
+            <a:extLst>
+              <a:ext uri="{FF2B5EF4-FFF2-40B4-BE49-F238E27FC236}">
+                <a16:creationId xmlns:a16="http://schemas.microsoft.com/office/drawing/2014/main" id="{A38E4898-498D-4443-A1AD-F7AF41843C0E}"/>
+              </a:ext>
+            </a:extLst>
+          </p:cNvPr>
+          <p:cNvCxnSpPr>
+            <a:stCxn id="6" idx="1"/>
+          </p:cNvCxnSpPr>
+          <p:nvPr/>
+        </p:nvCxnSpPr>
+        <p:spPr>
+          <a:xfrm flipH="1">
+            <a:off x="4491990" y="1382184"/>
+            <a:ext cx="1020127" cy="0"/>
+          </a:xfrm>
+          <a:prstGeom prst="line">
+            <a:avLst/>
+          </a:prstGeom>
+        </p:spPr>
+        <p:style>
+          <a:lnRef idx="3">
+            <a:schemeClr val="dk1"/>
+          </a:lnRef>
+          <a:fillRef idx="0">
+            <a:schemeClr val="dk1"/>
+          </a:fillRef>
+          <a:effectRef idx="2">
+            <a:schemeClr val="dk1"/>
+          </a:effectRef>
+          <a:fontRef idx="minor">
+            <a:schemeClr val="tx1"/>
+          </a:fontRef>
+        </p:style>
+      </p:cxnSp>
+      <p:cxnSp>
+        <p:nvCxnSpPr>
+          <p:cNvPr id="15" name="Прямая соединительная линия 14">
+            <a:extLst>
+              <a:ext uri="{FF2B5EF4-FFF2-40B4-BE49-F238E27FC236}">
+                <a16:creationId xmlns:a16="http://schemas.microsoft.com/office/drawing/2014/main" id="{A8F8B1FE-B72E-4AA8-9E8A-E7BF7069C5A3}"/>
+              </a:ext>
+            </a:extLst>
+          </p:cNvPr>
+          <p:cNvCxnSpPr/>
+          <p:nvPr/>
+        </p:nvCxnSpPr>
+        <p:spPr>
+          <a:xfrm>
+            <a:off x="4491990" y="1382184"/>
+            <a:ext cx="0" cy="2046815"/>
+          </a:xfrm>
+          <a:prstGeom prst="line">
+            <a:avLst/>
+          </a:prstGeom>
+        </p:spPr>
+        <p:style>
+          <a:lnRef idx="3">
+            <a:schemeClr val="dk1"/>
+          </a:lnRef>
+          <a:fillRef idx="0">
+            <a:schemeClr val="dk1"/>
+          </a:fillRef>
+          <a:effectRef idx="2">
+            <a:schemeClr val="dk1"/>
+          </a:effectRef>
+          <a:fontRef idx="minor">
+            <a:schemeClr val="tx1"/>
+          </a:fontRef>
+        </p:style>
+      </p:cxnSp>
+      <p:cxnSp>
+        <p:nvCxnSpPr>
+          <p:cNvPr id="17" name="Прямая со стрелкой 16">
+            <a:extLst>
+              <a:ext uri="{FF2B5EF4-FFF2-40B4-BE49-F238E27FC236}">
+                <a16:creationId xmlns:a16="http://schemas.microsoft.com/office/drawing/2014/main" id="{6921E5AB-EEF2-4ED4-9739-E927C6772D9A}"/>
+              </a:ext>
+            </a:extLst>
+          </p:cNvPr>
+          <p:cNvCxnSpPr>
+            <a:endCxn id="8" idx="1"/>
+          </p:cNvCxnSpPr>
+          <p:nvPr/>
+        </p:nvCxnSpPr>
+        <p:spPr>
+          <a:xfrm>
+            <a:off x="4491990" y="3149070"/>
+            <a:ext cx="931066" cy="0"/>
+          </a:xfrm>
+          <a:prstGeom prst="straightConnector1">
+            <a:avLst/>
+          </a:prstGeom>
+          <a:ln>
+            <a:tailEnd type="triangle"/>
+          </a:ln>
+        </p:spPr>
+        <p:style>
+          <a:lnRef idx="3">
+            <a:schemeClr val="dk1"/>
+          </a:lnRef>
+          <a:fillRef idx="0">
+            <a:schemeClr val="dk1"/>
+          </a:fillRef>
+          <a:effectRef idx="2">
+            <a:schemeClr val="dk1"/>
+          </a:effectRef>
+          <a:fontRef idx="minor">
+            <a:schemeClr val="tx1"/>
+          </a:fontRef>
+        </p:style>
+      </p:cxnSp>
+      <p:cxnSp>
+        <p:nvCxnSpPr>
+          <p:cNvPr id="19" name="Прямая со стрелкой 18">
+            <a:extLst>
+              <a:ext uri="{FF2B5EF4-FFF2-40B4-BE49-F238E27FC236}">
+                <a16:creationId xmlns:a16="http://schemas.microsoft.com/office/drawing/2014/main" id="{4E323EBA-92A7-4608-B9B5-DB1AB02CEE83}"/>
+              </a:ext>
+            </a:extLst>
+          </p:cNvPr>
+          <p:cNvCxnSpPr/>
+          <p:nvPr/>
+        </p:nvCxnSpPr>
+        <p:spPr>
+          <a:xfrm>
+            <a:off x="4491990" y="3428999"/>
+            <a:ext cx="441798" cy="0"/>
+          </a:xfrm>
+          <a:prstGeom prst="straightConnector1">
+            <a:avLst/>
+          </a:prstGeom>
+          <a:ln>
+            <a:tailEnd type="triangle"/>
+          </a:ln>
+        </p:spPr>
+        <p:style>
+          <a:lnRef idx="3">
+            <a:schemeClr val="dk1"/>
+          </a:lnRef>
+          <a:fillRef idx="0">
+            <a:schemeClr val="dk1"/>
+          </a:fillRef>
+          <a:effectRef idx="2">
+            <a:schemeClr val="dk1"/>
+          </a:effectRef>
+          <a:fontRef idx="minor">
+            <a:schemeClr val="tx1"/>
+          </a:fontRef>
+        </p:style>
+      </p:cxnSp>
+      <p:sp>
+        <p:nvSpPr>
+          <p:cNvPr id="20" name="TextBox 19">
+            <a:extLst>
+              <a:ext uri="{FF2B5EF4-FFF2-40B4-BE49-F238E27FC236}">
+                <a16:creationId xmlns:a16="http://schemas.microsoft.com/office/drawing/2014/main" id="{61156184-6519-449B-9EE6-1338A72F528D}"/>
+              </a:ext>
+            </a:extLst>
+          </p:cNvPr>
+          <p:cNvSpPr txBox="1"/>
+          <p:nvPr/>
+        </p:nvSpPr>
+        <p:spPr>
+          <a:xfrm>
+            <a:off x="5454249" y="3955987"/>
+            <a:ext cx="1283496" cy="2308324"/>
+          </a:xfrm>
+          <a:prstGeom prst="rect">
+            <a:avLst/>
+          </a:prstGeom>
+          <a:noFill/>
+        </p:spPr>
+        <p:txBody>
+          <a:bodyPr wrap="square" rtlCol="0">
+            <a:spAutoFit/>
+          </a:bodyPr>
+          <a:lstStyle/>
+          <a:p>
+            <a:r>
+              <a:rPr lang="ru-RU" dirty="0">
+                <a:latin typeface="Franklin Gothic Demi" panose="020B0703020102020204" pitchFamily="34" charset="0"/>
+              </a:rPr>
+              <a:t>Сотрудник</a:t>
+            </a:r>
+          </a:p>
+          <a:p>
+            <a:r>
+              <a:rPr lang="ru-RU" dirty="0">
+                <a:latin typeface="Franklin Gothic Demi" panose="020B0703020102020204" pitchFamily="34" charset="0"/>
+              </a:rPr>
+              <a:t>Сотрудник</a:t>
+            </a:r>
+          </a:p>
+          <a:p>
+            <a:r>
+              <a:rPr lang="ru-RU" dirty="0">
+                <a:latin typeface="Franklin Gothic Demi" panose="020B0703020102020204" pitchFamily="34" charset="0"/>
+              </a:rPr>
+              <a:t>Сотрудник</a:t>
+            </a:r>
+          </a:p>
+          <a:p>
+            <a:r>
+              <a:rPr lang="ru-RU" dirty="0">
+                <a:latin typeface="Franklin Gothic Demi" panose="020B0703020102020204" pitchFamily="34" charset="0"/>
+              </a:rPr>
+              <a:t>Сотрудник</a:t>
+            </a:r>
+          </a:p>
+          <a:p>
+            <a:r>
+              <a:rPr lang="ru-RU" dirty="0">
+                <a:latin typeface="Franklin Gothic Demi" panose="020B0703020102020204" pitchFamily="34" charset="0"/>
+              </a:rPr>
+              <a:t>Сотрудник</a:t>
+            </a:r>
+          </a:p>
+          <a:p>
+            <a:r>
+              <a:rPr lang="ru-RU" dirty="0">
+                <a:latin typeface="Franklin Gothic Demi" panose="020B0703020102020204" pitchFamily="34" charset="0"/>
+              </a:rPr>
+              <a:t>Сотрудник</a:t>
+            </a:r>
+          </a:p>
+          <a:p>
+            <a:r>
+              <a:rPr lang="ru-RU" dirty="0">
+                <a:latin typeface="Franklin Gothic Demi" panose="020B0703020102020204" pitchFamily="34" charset="0"/>
+              </a:rPr>
+              <a:t>Сотрудник</a:t>
+            </a:r>
+          </a:p>
+          <a:p>
+            <a:endParaRPr lang="ru-RU" dirty="0"/>
+          </a:p>
+        </p:txBody>
+      </p:sp>
+      <p:cxnSp>
+        <p:nvCxnSpPr>
+          <p:cNvPr id="22" name="Прямая соединительная линия 21">
+            <a:extLst>
+              <a:ext uri="{FF2B5EF4-FFF2-40B4-BE49-F238E27FC236}">
+                <a16:creationId xmlns:a16="http://schemas.microsoft.com/office/drawing/2014/main" id="{F2466004-6CB7-47AA-B59E-3672468CBAB7}"/>
+              </a:ext>
+            </a:extLst>
+          </p:cNvPr>
+          <p:cNvCxnSpPr>
+            <a:stCxn id="8" idx="3"/>
+          </p:cNvCxnSpPr>
+          <p:nvPr/>
+        </p:nvCxnSpPr>
+        <p:spPr>
+          <a:xfrm>
+            <a:off x="6768939" y="3149070"/>
+            <a:ext cx="671991" cy="0"/>
+          </a:xfrm>
+          <a:prstGeom prst="line">
+            <a:avLst/>
+          </a:prstGeom>
+        </p:spPr>
+        <p:style>
+          <a:lnRef idx="3">
+            <a:schemeClr val="dk1"/>
+          </a:lnRef>
+          <a:fillRef idx="0">
+            <a:schemeClr val="dk1"/>
+          </a:fillRef>
+          <a:effectRef idx="2">
+            <a:schemeClr val="dk1"/>
+          </a:effectRef>
+          <a:fontRef idx="minor">
+            <a:schemeClr val="tx1"/>
+          </a:fontRef>
+        </p:style>
+      </p:cxnSp>
+      <p:cxnSp>
+        <p:nvCxnSpPr>
+          <p:cNvPr id="24" name="Прямая соединительная линия 23">
+            <a:extLst>
+              <a:ext uri="{FF2B5EF4-FFF2-40B4-BE49-F238E27FC236}">
+                <a16:creationId xmlns:a16="http://schemas.microsoft.com/office/drawing/2014/main" id="{10A232A3-DA5B-4EE0-99BE-A090FD3B814D}"/>
+              </a:ext>
+            </a:extLst>
+          </p:cNvPr>
+          <p:cNvCxnSpPr/>
+          <p:nvPr/>
+        </p:nvCxnSpPr>
+        <p:spPr>
+          <a:xfrm>
+            <a:off x="7440930" y="3149070"/>
+            <a:ext cx="0" cy="1834410"/>
+          </a:xfrm>
+          <a:prstGeom prst="line">
+            <a:avLst/>
+          </a:prstGeom>
+        </p:spPr>
+        <p:style>
+          <a:lnRef idx="3">
+            <a:schemeClr val="dk1"/>
+          </a:lnRef>
+          <a:fillRef idx="0">
+            <a:schemeClr val="dk1"/>
+          </a:fillRef>
+          <a:effectRef idx="2">
+            <a:schemeClr val="dk1"/>
+          </a:effectRef>
+          <a:fontRef idx="minor">
+            <a:schemeClr val="tx1"/>
+          </a:fontRef>
+        </p:style>
+      </p:cxnSp>
+      <p:cxnSp>
+        <p:nvCxnSpPr>
+          <p:cNvPr id="26" name="Прямая соединительная линия 25">
+            <a:extLst>
+              <a:ext uri="{FF2B5EF4-FFF2-40B4-BE49-F238E27FC236}">
+                <a16:creationId xmlns:a16="http://schemas.microsoft.com/office/drawing/2014/main" id="{88FF8646-F438-4BF7-99DC-44CD74D40574}"/>
+              </a:ext>
+            </a:extLst>
+          </p:cNvPr>
+          <p:cNvCxnSpPr/>
+          <p:nvPr/>
+        </p:nvCxnSpPr>
+        <p:spPr>
+          <a:xfrm flipH="1">
+            <a:off x="6938010" y="4983480"/>
+            <a:ext cx="502920" cy="0"/>
+          </a:xfrm>
+          <a:prstGeom prst="line">
+            <a:avLst/>
+          </a:prstGeom>
+        </p:spPr>
+        <p:style>
+          <a:lnRef idx="3">
+            <a:schemeClr val="dk1"/>
+          </a:lnRef>
+          <a:fillRef idx="0">
+            <a:schemeClr val="dk1"/>
+          </a:fillRef>
+          <a:effectRef idx="2">
+            <a:schemeClr val="dk1"/>
+          </a:effectRef>
+          <a:fontRef idx="minor">
+            <a:schemeClr val="tx1"/>
+          </a:fontRef>
+        </p:style>
+      </p:cxnSp>
+      <p:cxnSp>
+        <p:nvCxnSpPr>
+          <p:cNvPr id="28" name="Прямая соединительная линия 27">
+            <a:extLst>
+              <a:ext uri="{FF2B5EF4-FFF2-40B4-BE49-F238E27FC236}">
+                <a16:creationId xmlns:a16="http://schemas.microsoft.com/office/drawing/2014/main" id="{801346ED-32A0-4BE8-8A65-F4D46A6FB09A}"/>
+              </a:ext>
+            </a:extLst>
+          </p:cNvPr>
+          <p:cNvCxnSpPr/>
+          <p:nvPr/>
+        </p:nvCxnSpPr>
+        <p:spPr>
+          <a:xfrm flipV="1">
+            <a:off x="6938010" y="3863340"/>
+            <a:ext cx="0" cy="1120140"/>
+          </a:xfrm>
+          <a:prstGeom prst="line">
+            <a:avLst/>
+          </a:prstGeom>
+        </p:spPr>
+        <p:style>
+          <a:lnRef idx="3">
+            <a:schemeClr val="dk1"/>
+          </a:lnRef>
+          <a:fillRef idx="0">
+            <a:schemeClr val="dk1"/>
+          </a:fillRef>
+          <a:effectRef idx="2">
+            <a:schemeClr val="dk1"/>
+          </a:effectRef>
+          <a:fontRef idx="minor">
+            <a:schemeClr val="tx1"/>
+          </a:fontRef>
+        </p:style>
+      </p:cxnSp>
+      <p:cxnSp>
+        <p:nvCxnSpPr>
+          <p:cNvPr id="30" name="Прямая соединительная линия 29">
+            <a:extLst>
+              <a:ext uri="{FF2B5EF4-FFF2-40B4-BE49-F238E27FC236}">
+                <a16:creationId xmlns:a16="http://schemas.microsoft.com/office/drawing/2014/main" id="{40F35C95-8446-4503-A46E-9C0845F87AC5}"/>
+              </a:ext>
+            </a:extLst>
+          </p:cNvPr>
+          <p:cNvCxnSpPr>
+            <a:cxnSpLocks/>
+          </p:cNvCxnSpPr>
+          <p:nvPr/>
+        </p:nvCxnSpPr>
+        <p:spPr>
+          <a:xfrm flipH="1">
+            <a:off x="5269230" y="3874770"/>
+            <a:ext cx="1668780" cy="0"/>
+          </a:xfrm>
+          <a:prstGeom prst="line">
+            <a:avLst/>
+          </a:prstGeom>
+        </p:spPr>
+        <p:style>
+          <a:lnRef idx="3">
+            <a:schemeClr val="dk1"/>
+          </a:lnRef>
+          <a:fillRef idx="0">
+            <a:schemeClr val="dk1"/>
+          </a:fillRef>
+          <a:effectRef idx="2">
+            <a:schemeClr val="dk1"/>
+          </a:effectRef>
+          <a:fontRef idx="minor">
+            <a:schemeClr val="tx1"/>
+          </a:fontRef>
+        </p:style>
+      </p:cxnSp>
+      <p:cxnSp>
+        <p:nvCxnSpPr>
+          <p:cNvPr id="37" name="Прямая соединительная линия 36">
+            <a:extLst>
+              <a:ext uri="{FF2B5EF4-FFF2-40B4-BE49-F238E27FC236}">
+                <a16:creationId xmlns:a16="http://schemas.microsoft.com/office/drawing/2014/main" id="{DB5EA5E1-1D55-4F9B-BED6-F5E951B7BCFA}"/>
+              </a:ext>
+            </a:extLst>
+          </p:cNvPr>
+          <p:cNvCxnSpPr/>
+          <p:nvPr/>
+        </p:nvCxnSpPr>
+        <p:spPr>
+          <a:xfrm>
+            <a:off x="5269230" y="3874770"/>
+            <a:ext cx="0" cy="2148840"/>
+          </a:xfrm>
+          <a:prstGeom prst="line">
+            <a:avLst/>
+          </a:prstGeom>
+        </p:spPr>
+        <p:style>
+          <a:lnRef idx="3">
+            <a:schemeClr val="dk1"/>
+          </a:lnRef>
+          <a:fillRef idx="0">
+            <a:schemeClr val="dk1"/>
+          </a:fillRef>
+          <a:effectRef idx="2">
+            <a:schemeClr val="dk1"/>
+          </a:effectRef>
+          <a:fontRef idx="minor">
+            <a:schemeClr val="tx1"/>
+          </a:fontRef>
+        </p:style>
+      </p:cxnSp>
+      <p:cxnSp>
+        <p:nvCxnSpPr>
+          <p:cNvPr id="39" name="Прямая соединительная линия 38">
+            <a:extLst>
+              <a:ext uri="{FF2B5EF4-FFF2-40B4-BE49-F238E27FC236}">
+                <a16:creationId xmlns:a16="http://schemas.microsoft.com/office/drawing/2014/main" id="{D4F843D8-193D-4B1D-B3D8-A135E1ED7C4D}"/>
+              </a:ext>
+            </a:extLst>
+          </p:cNvPr>
+          <p:cNvCxnSpPr/>
+          <p:nvPr/>
+        </p:nvCxnSpPr>
+        <p:spPr>
+          <a:xfrm>
+            <a:off x="5269230" y="6035040"/>
+            <a:ext cx="1668780" cy="0"/>
+          </a:xfrm>
+          <a:prstGeom prst="line">
+            <a:avLst/>
+          </a:prstGeom>
+        </p:spPr>
+        <p:style>
+          <a:lnRef idx="3">
+            <a:schemeClr val="dk1"/>
+          </a:lnRef>
+          <a:fillRef idx="0">
+            <a:schemeClr val="dk1"/>
+          </a:fillRef>
+          <a:effectRef idx="2">
+            <a:schemeClr val="dk1"/>
+          </a:effectRef>
+          <a:fontRef idx="minor">
+            <a:schemeClr val="tx1"/>
+          </a:fontRef>
+        </p:style>
+      </p:cxnSp>
+      <p:cxnSp>
+        <p:nvCxnSpPr>
+          <p:cNvPr id="41" name="Прямая соединительная линия 40">
+            <a:extLst>
+              <a:ext uri="{FF2B5EF4-FFF2-40B4-BE49-F238E27FC236}">
+                <a16:creationId xmlns:a16="http://schemas.microsoft.com/office/drawing/2014/main" id="{9B24BF99-F6C3-48EB-A304-8AB600275DB6}"/>
+              </a:ext>
+            </a:extLst>
+          </p:cNvPr>
+          <p:cNvCxnSpPr/>
+          <p:nvPr/>
+        </p:nvCxnSpPr>
+        <p:spPr>
+          <a:xfrm>
+            <a:off x="6938010" y="4983480"/>
+            <a:ext cx="0" cy="1040130"/>
+          </a:xfrm>
+          <a:prstGeom prst="line">
+            <a:avLst/>
+          </a:prstGeom>
+        </p:spPr>
+        <p:style>
+          <a:lnRef idx="3">
+            <a:schemeClr val="dk1"/>
+          </a:lnRef>
+          <a:fillRef idx="0">
+            <a:schemeClr val="dk1"/>
+          </a:fillRef>
+          <a:effectRef idx="2">
+            <a:schemeClr val="dk1"/>
+          </a:effectRef>
+          <a:fontRef idx="minor">
+            <a:schemeClr val="tx1"/>
+          </a:fontRef>
+        </p:style>
+      </p:cxnSp>
+    </p:spTree>
+    <p:extLst>
+      <p:ext uri="{BB962C8B-B14F-4D97-AF65-F5344CB8AC3E}">
+        <p14:creationId xmlns:p14="http://schemas.microsoft.com/office/powerpoint/2010/main" val="1915184875"/>
+      </p:ext>
+    </p:extLst>
+  </p:cSld>
+  <p:clrMapOvr>
+    <a:masterClrMapping/>
+  </p:clrMapOvr>
+</p:sld>
+</file>
+
+<file path=ppt/slides/slide7.xml><?xml version="1.0" encoding="utf-8"?>
+<p:sld xmlns:a="http://schemas.openxmlformats.org/drawingml/2006/main" xmlns:r="http://schemas.openxmlformats.org/officeDocument/2006/relationships" xmlns:p="http://schemas.openxmlformats.org/presentationml/2006/main">
+  <p:cSld>
+    <p:spTree>
+      <p:nvGrpSpPr>
+        <p:cNvPr id="1" name=""/>
+        <p:cNvGrpSpPr/>
+        <p:nvPr/>
+      </p:nvGrpSpPr>
+      <p:grpSpPr>
+        <a:xfrm>
+          <a:off x="0" y="0"/>
+          <a:ext cx="0" cy="0"/>
+          <a:chOff x="0" y="0"/>
+          <a:chExt cx="0" cy="0"/>
+        </a:xfrm>
+      </p:grpSpPr>
+      <p:pic>
+        <p:nvPicPr>
+          <p:cNvPr id="2" name="Рисунок 1">
+            <a:extLst>
+              <a:ext uri="{FF2B5EF4-FFF2-40B4-BE49-F238E27FC236}">
+                <a16:creationId xmlns:a16="http://schemas.microsoft.com/office/drawing/2014/main" id="{20F722E6-B397-4103-8E7A-8EE60D0424AE}"/>
+              </a:ext>
+            </a:extLst>
+          </p:cNvPr>
+          <p:cNvPicPr/>
+          <p:nvPr/>
+        </p:nvPicPr>
+        <p:blipFill>
+          <a:blip r:embed="rId2"/>
+          <a:stretch>
+            <a:fillRect/>
+          </a:stretch>
+        </p:blipFill>
+        <p:spPr>
+          <a:xfrm>
+            <a:off x="1652428" y="773806"/>
+            <a:ext cx="8887143" cy="460375"/>
+          </a:xfrm>
+          <a:prstGeom prst="rect">
+            <a:avLst/>
+          </a:prstGeom>
+        </p:spPr>
+      </p:pic>
+      <p:sp>
+        <p:nvSpPr>
+          <p:cNvPr id="3" name="TextBox 2">
+            <a:extLst>
+              <a:ext uri="{FF2B5EF4-FFF2-40B4-BE49-F238E27FC236}">
+                <a16:creationId xmlns:a16="http://schemas.microsoft.com/office/drawing/2014/main" id="{2375E040-CD23-488C-9F7E-DFD7F2F6A5E0}"/>
+              </a:ext>
+            </a:extLst>
+          </p:cNvPr>
+          <p:cNvSpPr txBox="1"/>
+          <p:nvPr/>
+        </p:nvSpPr>
+        <p:spPr>
+          <a:xfrm>
+            <a:off x="3392804" y="160020"/>
+            <a:ext cx="5406390" cy="584775"/>
+          </a:xfrm>
+          <a:prstGeom prst="rect">
+            <a:avLst/>
+          </a:prstGeom>
+          <a:noFill/>
+        </p:spPr>
+        <p:txBody>
+          <a:bodyPr wrap="square" rtlCol="0">
+            <a:spAutoFit/>
+          </a:bodyPr>
+          <a:lstStyle/>
+          <a:p>
+            <a:r>
+              <a:rPr lang="ru-RU" sz="3200" dirty="0">
+                <a:latin typeface="Franklin Gothic Heavy" panose="020B0903020102020204" pitchFamily="34" charset="0"/>
+              </a:rPr>
+              <a:t>Изменения в базе данных</a:t>
+            </a:r>
+          </a:p>
+        </p:txBody>
+      </p:sp>
+      <p:pic>
+        <p:nvPicPr>
+          <p:cNvPr id="4" name="Рисунок 3">
+            <a:extLst>
+              <a:ext uri="{FF2B5EF4-FFF2-40B4-BE49-F238E27FC236}">
+                <a16:creationId xmlns:a16="http://schemas.microsoft.com/office/drawing/2014/main" id="{DD0B7719-61E8-4ED9-A8C0-430671A8E21B}"/>
+              </a:ext>
+            </a:extLst>
+          </p:cNvPr>
+          <p:cNvPicPr/>
+          <p:nvPr/>
+        </p:nvPicPr>
+        <p:blipFill>
+          <a:blip r:embed="rId3"/>
+          <a:stretch>
+            <a:fillRect/>
+          </a:stretch>
+        </p:blipFill>
+        <p:spPr>
+          <a:xfrm>
+            <a:off x="188594" y="1878965"/>
+            <a:ext cx="3333750" cy="1628775"/>
+          </a:xfrm>
+          <a:prstGeom prst="rect">
+            <a:avLst/>
+          </a:prstGeom>
+          <a:ln>
+            <a:solidFill>
+              <a:schemeClr val="tx1"/>
+            </a:solidFill>
+          </a:ln>
+        </p:spPr>
+      </p:pic>
+      <p:pic>
+        <p:nvPicPr>
+          <p:cNvPr id="5" name="Рисунок 4">
+            <a:extLst>
+              <a:ext uri="{FF2B5EF4-FFF2-40B4-BE49-F238E27FC236}">
+                <a16:creationId xmlns:a16="http://schemas.microsoft.com/office/drawing/2014/main" id="{5A09931C-951E-47F9-99CD-2949FF7B0D78}"/>
+              </a:ext>
+            </a:extLst>
+          </p:cNvPr>
+          <p:cNvPicPr/>
+          <p:nvPr/>
+        </p:nvPicPr>
+        <p:blipFill>
+          <a:blip r:embed="rId4"/>
+          <a:stretch>
+            <a:fillRect/>
+          </a:stretch>
+        </p:blipFill>
+        <p:spPr>
+          <a:xfrm>
+            <a:off x="188594" y="4152524"/>
+            <a:ext cx="3333749" cy="1931670"/>
+          </a:xfrm>
+          <a:prstGeom prst="rect">
+            <a:avLst/>
+          </a:prstGeom>
+          <a:ln>
+            <a:solidFill>
+              <a:schemeClr val="tx1"/>
+            </a:solidFill>
+          </a:ln>
+        </p:spPr>
+      </p:pic>
+      <p:pic>
+        <p:nvPicPr>
+          <p:cNvPr id="6" name="Рисунок 5">
+            <a:extLst>
+              <a:ext uri="{FF2B5EF4-FFF2-40B4-BE49-F238E27FC236}">
+                <a16:creationId xmlns:a16="http://schemas.microsoft.com/office/drawing/2014/main" id="{2A23B9D8-A1C6-4498-A967-6E59A24046DB}"/>
+              </a:ext>
+            </a:extLst>
+          </p:cNvPr>
+          <p:cNvPicPr/>
+          <p:nvPr/>
+        </p:nvPicPr>
+        <p:blipFill>
+          <a:blip r:embed="rId5"/>
+          <a:stretch>
+            <a:fillRect/>
+          </a:stretch>
+        </p:blipFill>
+        <p:spPr>
+          <a:xfrm>
+            <a:off x="4132608" y="4152524"/>
+            <a:ext cx="3431222" cy="2173605"/>
+          </a:xfrm>
+          <a:prstGeom prst="rect">
+            <a:avLst/>
+          </a:prstGeom>
+          <a:ln>
+            <a:solidFill>
+              <a:schemeClr val="tx1"/>
+            </a:solidFill>
+          </a:ln>
+        </p:spPr>
+      </p:pic>
+      <p:pic>
+        <p:nvPicPr>
+          <p:cNvPr id="7" name="Рисунок 6">
+            <a:extLst>
+              <a:ext uri="{FF2B5EF4-FFF2-40B4-BE49-F238E27FC236}">
+                <a16:creationId xmlns:a16="http://schemas.microsoft.com/office/drawing/2014/main" id="{D86C1208-BE5F-4A0D-A191-6B80AD9C1ADB}"/>
+              </a:ext>
+            </a:extLst>
+          </p:cNvPr>
+          <p:cNvPicPr>
+            <a:picLocks noChangeAspect="1"/>
+          </p:cNvPicPr>
+          <p:nvPr/>
+        </p:nvPicPr>
+        <p:blipFill>
+          <a:blip r:embed="rId6"/>
+          <a:stretch>
+            <a:fillRect/>
+          </a:stretch>
+        </p:blipFill>
+        <p:spPr>
+          <a:xfrm>
+            <a:off x="4132608" y="1656080"/>
+            <a:ext cx="3195264" cy="1845666"/>
+          </a:xfrm>
+          <a:prstGeom prst="rect">
+            <a:avLst/>
+          </a:prstGeom>
+          <a:ln>
+            <a:solidFill>
+              <a:schemeClr val="tx1"/>
+            </a:solidFill>
+          </a:ln>
+        </p:spPr>
+      </p:pic>
+      <p:pic>
+        <p:nvPicPr>
+          <p:cNvPr id="8" name="Рисунок 7">
+            <a:extLst>
+              <a:ext uri="{FF2B5EF4-FFF2-40B4-BE49-F238E27FC236}">
+                <a16:creationId xmlns:a16="http://schemas.microsoft.com/office/drawing/2014/main" id="{55553166-8CB9-4371-9E1A-0E8B7B3EDCA4}"/>
+              </a:ext>
+            </a:extLst>
+          </p:cNvPr>
+          <p:cNvPicPr/>
+          <p:nvPr/>
+        </p:nvPicPr>
+        <p:blipFill>
+          <a:blip r:embed="rId7"/>
+          <a:stretch>
+            <a:fillRect/>
+          </a:stretch>
+        </p:blipFill>
+        <p:spPr>
+          <a:xfrm>
+            <a:off x="7740492" y="1878965"/>
+            <a:ext cx="4418329" cy="4953178"/>
+          </a:xfrm>
+          <a:prstGeom prst="rect">
+            <a:avLst/>
+          </a:prstGeom>
+          <a:ln>
+            <a:solidFill>
+              <a:schemeClr val="tx1"/>
+            </a:solidFill>
+          </a:ln>
+        </p:spPr>
+      </p:pic>
+      <p:cxnSp>
+        <p:nvCxnSpPr>
+          <p:cNvPr id="10" name="Прямая со стрелкой 9">
+            <a:extLst>
+              <a:ext uri="{FF2B5EF4-FFF2-40B4-BE49-F238E27FC236}">
+                <a16:creationId xmlns:a16="http://schemas.microsoft.com/office/drawing/2014/main" id="{E244DD40-284E-4231-A6BD-1C407CC552B4}"/>
+              </a:ext>
+            </a:extLst>
+          </p:cNvPr>
+          <p:cNvCxnSpPr/>
+          <p:nvPr/>
+        </p:nvCxnSpPr>
+        <p:spPr>
+          <a:xfrm>
+            <a:off x="2514600" y="1314450"/>
+            <a:ext cx="0" cy="422910"/>
+          </a:xfrm>
+          <a:prstGeom prst="straightConnector1">
+            <a:avLst/>
+          </a:prstGeom>
+          <a:ln>
+            <a:tailEnd type="triangle"/>
+          </a:ln>
+        </p:spPr>
+        <p:style>
+          <a:lnRef idx="3">
+            <a:schemeClr val="dk1"/>
+          </a:lnRef>
+          <a:fillRef idx="0">
+            <a:schemeClr val="dk1"/>
+          </a:fillRef>
+          <a:effectRef idx="2">
+            <a:schemeClr val="dk1"/>
+          </a:effectRef>
+          <a:fontRef idx="minor">
+            <a:schemeClr val="tx1"/>
+          </a:fontRef>
+        </p:style>
+      </p:cxnSp>
+      <p:cxnSp>
+        <p:nvCxnSpPr>
+          <p:cNvPr id="14" name="Соединитель: уступ 13">
+            <a:extLst>
+              <a:ext uri="{FF2B5EF4-FFF2-40B4-BE49-F238E27FC236}">
+                <a16:creationId xmlns:a16="http://schemas.microsoft.com/office/drawing/2014/main" id="{1586BAD1-A2F0-4884-9CC1-DE578CB08672}"/>
+              </a:ext>
+            </a:extLst>
+          </p:cNvPr>
+          <p:cNvCxnSpPr>
+            <a:cxnSpLocks/>
+          </p:cNvCxnSpPr>
+          <p:nvPr/>
+        </p:nvCxnSpPr>
+        <p:spPr>
+          <a:xfrm rot="5400000">
+            <a:off x="1780329" y="2123851"/>
+            <a:ext cx="2633781" cy="1165237"/>
+          </a:xfrm>
+          <a:prstGeom prst="bentConnector3">
+            <a:avLst>
+              <a:gd name="adj1" fmla="val 87322"/>
+            </a:avLst>
+          </a:prstGeom>
+          <a:ln>
+            <a:tailEnd type="triangle"/>
+          </a:ln>
+        </p:spPr>
+        <p:style>
+          <a:lnRef idx="3">
+            <a:schemeClr val="dk1"/>
+          </a:lnRef>
+          <a:fillRef idx="0">
+            <a:schemeClr val="dk1"/>
+          </a:fillRef>
+          <a:effectRef idx="2">
+            <a:schemeClr val="dk1"/>
+          </a:effectRef>
+          <a:fontRef idx="minor">
+            <a:schemeClr val="tx1"/>
+          </a:fontRef>
+        </p:style>
+      </p:cxnSp>
+      <p:cxnSp>
+        <p:nvCxnSpPr>
+          <p:cNvPr id="19" name="Прямая соединительная линия 18">
+            <a:extLst>
+              <a:ext uri="{FF2B5EF4-FFF2-40B4-BE49-F238E27FC236}">
+                <a16:creationId xmlns:a16="http://schemas.microsoft.com/office/drawing/2014/main" id="{E41BE5D5-9E2B-4EB8-8198-1068BF963027}"/>
+              </a:ext>
+            </a:extLst>
+          </p:cNvPr>
+          <p:cNvCxnSpPr>
+            <a:cxnSpLocks/>
+          </p:cNvCxnSpPr>
+          <p:nvPr/>
+        </p:nvCxnSpPr>
+        <p:spPr>
+          <a:xfrm>
+            <a:off x="3909060" y="1525905"/>
+            <a:ext cx="0" cy="2280285"/>
+          </a:xfrm>
+          <a:prstGeom prst="line">
+            <a:avLst/>
+          </a:prstGeom>
+        </p:spPr>
+        <p:style>
+          <a:lnRef idx="3">
+            <a:schemeClr val="dk1"/>
+          </a:lnRef>
+          <a:fillRef idx="0">
+            <a:schemeClr val="dk1"/>
+          </a:fillRef>
+          <a:effectRef idx="2">
+            <a:schemeClr val="dk1"/>
+          </a:effectRef>
+          <a:fontRef idx="minor">
+            <a:schemeClr val="tx1"/>
+          </a:fontRef>
+        </p:style>
+      </p:cxnSp>
+      <p:cxnSp>
+        <p:nvCxnSpPr>
+          <p:cNvPr id="25" name="Прямая соединительная линия 24">
+            <a:extLst>
+              <a:ext uri="{FF2B5EF4-FFF2-40B4-BE49-F238E27FC236}">
+                <a16:creationId xmlns:a16="http://schemas.microsoft.com/office/drawing/2014/main" id="{A809DD82-A4FD-4693-BA83-46982B33D10A}"/>
+              </a:ext>
+            </a:extLst>
+          </p:cNvPr>
+          <p:cNvCxnSpPr/>
+          <p:nvPr/>
+        </p:nvCxnSpPr>
+        <p:spPr>
+          <a:xfrm>
+            <a:off x="3909060" y="3829050"/>
+            <a:ext cx="1645920" cy="0"/>
+          </a:xfrm>
+          <a:prstGeom prst="line">
+            <a:avLst/>
+          </a:prstGeom>
+        </p:spPr>
+        <p:style>
+          <a:lnRef idx="3">
+            <a:schemeClr val="dk1"/>
+          </a:lnRef>
+          <a:fillRef idx="0">
+            <a:schemeClr val="dk1"/>
+          </a:fillRef>
+          <a:effectRef idx="2">
+            <a:schemeClr val="dk1"/>
+          </a:effectRef>
+          <a:fontRef idx="minor">
+            <a:schemeClr val="tx1"/>
+          </a:fontRef>
+        </p:style>
+      </p:cxnSp>
+      <p:cxnSp>
+        <p:nvCxnSpPr>
+          <p:cNvPr id="27" name="Прямая со стрелкой 26">
+            <a:extLst>
+              <a:ext uri="{FF2B5EF4-FFF2-40B4-BE49-F238E27FC236}">
+                <a16:creationId xmlns:a16="http://schemas.microsoft.com/office/drawing/2014/main" id="{71CCC953-120B-49DF-95B8-80B4A487BEEF}"/>
+              </a:ext>
+            </a:extLst>
+          </p:cNvPr>
+          <p:cNvCxnSpPr/>
+          <p:nvPr/>
+        </p:nvCxnSpPr>
+        <p:spPr>
+          <a:xfrm>
+            <a:off x="5554980" y="3501746"/>
+            <a:ext cx="0" cy="650778"/>
+          </a:xfrm>
+          <a:prstGeom prst="straightConnector1">
+            <a:avLst/>
+          </a:prstGeom>
+          <a:ln>
+            <a:headEnd type="triangle"/>
+            <a:tailEnd type="triangle"/>
+          </a:ln>
+        </p:spPr>
+        <p:style>
+          <a:lnRef idx="3">
+            <a:schemeClr val="dk1"/>
+          </a:lnRef>
+          <a:fillRef idx="0">
+            <a:schemeClr val="dk1"/>
+          </a:fillRef>
+          <a:effectRef idx="2">
+            <a:schemeClr val="dk1"/>
+          </a:effectRef>
+          <a:fontRef idx="minor">
+            <a:schemeClr val="tx1"/>
+          </a:fontRef>
+        </p:style>
+      </p:cxnSp>
+      <p:cxnSp>
+        <p:nvCxnSpPr>
+          <p:cNvPr id="30" name="Прямая соединительная линия 29">
+            <a:extLst>
+              <a:ext uri="{FF2B5EF4-FFF2-40B4-BE49-F238E27FC236}">
+                <a16:creationId xmlns:a16="http://schemas.microsoft.com/office/drawing/2014/main" id="{F68E1179-FAC7-42F3-ACA0-93E0636B3A46}"/>
+              </a:ext>
+            </a:extLst>
+          </p:cNvPr>
+          <p:cNvCxnSpPr/>
+          <p:nvPr/>
+        </p:nvCxnSpPr>
+        <p:spPr>
+          <a:xfrm>
+            <a:off x="3909060" y="1525905"/>
+            <a:ext cx="1645920" cy="0"/>
+          </a:xfrm>
+          <a:prstGeom prst="line">
+            <a:avLst/>
+          </a:prstGeom>
+        </p:spPr>
+        <p:style>
+          <a:lnRef idx="3">
+            <a:schemeClr val="dk1"/>
+          </a:lnRef>
+          <a:fillRef idx="0">
+            <a:schemeClr val="dk1"/>
+          </a:fillRef>
+          <a:effectRef idx="2">
+            <a:schemeClr val="dk1"/>
+          </a:effectRef>
+          <a:fontRef idx="minor">
+            <a:schemeClr val="tx1"/>
+          </a:fontRef>
+        </p:style>
+      </p:cxnSp>
+      <p:cxnSp>
+        <p:nvCxnSpPr>
+          <p:cNvPr id="32" name="Прямая соединительная линия 31">
+            <a:extLst>
+              <a:ext uri="{FF2B5EF4-FFF2-40B4-BE49-F238E27FC236}">
+                <a16:creationId xmlns:a16="http://schemas.microsoft.com/office/drawing/2014/main" id="{5D691A43-1A08-48BE-80C1-331ECAADC74E}"/>
+              </a:ext>
+            </a:extLst>
+          </p:cNvPr>
+          <p:cNvCxnSpPr/>
+          <p:nvPr/>
+        </p:nvCxnSpPr>
+        <p:spPr>
+          <a:xfrm flipV="1">
+            <a:off x="5554980" y="1314450"/>
+            <a:ext cx="0" cy="211455"/>
+          </a:xfrm>
+          <a:prstGeom prst="line">
+            <a:avLst/>
+          </a:prstGeom>
+        </p:spPr>
+        <p:style>
+          <a:lnRef idx="3">
+            <a:schemeClr val="dk1"/>
+          </a:lnRef>
+          <a:fillRef idx="0">
+            <a:schemeClr val="dk1"/>
+          </a:fillRef>
+          <a:effectRef idx="2">
+            <a:schemeClr val="dk1"/>
+          </a:effectRef>
+          <a:fontRef idx="minor">
+            <a:schemeClr val="tx1"/>
+          </a:fontRef>
+        </p:style>
+      </p:cxnSp>
+      <p:cxnSp>
+        <p:nvCxnSpPr>
+          <p:cNvPr id="34" name="Прямая со стрелкой 33">
+            <a:extLst>
+              <a:ext uri="{FF2B5EF4-FFF2-40B4-BE49-F238E27FC236}">
+                <a16:creationId xmlns:a16="http://schemas.microsoft.com/office/drawing/2014/main" id="{DBB961EF-D857-493F-B670-F1CF9214AD46}"/>
+              </a:ext>
+            </a:extLst>
+          </p:cNvPr>
+          <p:cNvCxnSpPr/>
+          <p:nvPr/>
+        </p:nvCxnSpPr>
+        <p:spPr>
+          <a:xfrm>
+            <a:off x="8161020" y="1314450"/>
+            <a:ext cx="0" cy="422910"/>
+          </a:xfrm>
+          <a:prstGeom prst="straightConnector1">
+            <a:avLst/>
+          </a:prstGeom>
+          <a:ln>
+            <a:tailEnd type="triangle"/>
+          </a:ln>
+        </p:spPr>
+        <p:style>
+          <a:lnRef idx="3">
+            <a:schemeClr val="dk1"/>
+          </a:lnRef>
+          <a:fillRef idx="0">
+            <a:schemeClr val="dk1"/>
+          </a:fillRef>
+          <a:effectRef idx="2">
+            <a:schemeClr val="dk1"/>
+          </a:effectRef>
+          <a:fontRef idx="minor">
+            <a:schemeClr val="tx1"/>
+          </a:fontRef>
+        </p:style>
+      </p:cxnSp>
+      <p:pic>
+        <p:nvPicPr>
+          <p:cNvPr id="35" name="Рисунок 34">
+            <a:extLst>
+              <a:ext uri="{FF2B5EF4-FFF2-40B4-BE49-F238E27FC236}">
+                <a16:creationId xmlns:a16="http://schemas.microsoft.com/office/drawing/2014/main" id="{90204C4D-96CA-4F67-9EA5-C487E525390D}"/>
+              </a:ext>
+            </a:extLst>
+          </p:cNvPr>
+          <p:cNvPicPr>
+            <a:picLocks noChangeAspect="1"/>
+          </p:cNvPicPr>
+          <p:nvPr/>
+        </p:nvPicPr>
+        <p:blipFill>
+          <a:blip r:embed="rId8"/>
+          <a:stretch>
+            <a:fillRect/>
+          </a:stretch>
+        </p:blipFill>
+        <p:spPr>
+          <a:xfrm>
+            <a:off x="1782854" y="3137523"/>
+            <a:ext cx="1609950" cy="171474"/>
+          </a:xfrm>
+          <a:prstGeom prst="rect">
+            <a:avLst/>
+          </a:prstGeom>
+        </p:spPr>
+      </p:pic>
+      <p:pic>
+        <p:nvPicPr>
+          <p:cNvPr id="36" name="Рисунок 35">
+            <a:extLst>
+              <a:ext uri="{FF2B5EF4-FFF2-40B4-BE49-F238E27FC236}">
+                <a16:creationId xmlns:a16="http://schemas.microsoft.com/office/drawing/2014/main" id="{EA3F4232-4008-4AFC-9DDF-43BA22AC37A9}"/>
+              </a:ext>
+            </a:extLst>
+          </p:cNvPr>
+          <p:cNvPicPr>
+            <a:picLocks noChangeAspect="1"/>
+          </p:cNvPicPr>
+          <p:nvPr/>
+        </p:nvPicPr>
+        <p:blipFill>
+          <a:blip r:embed="rId9"/>
+          <a:stretch>
+            <a:fillRect/>
+          </a:stretch>
+        </p:blipFill>
+        <p:spPr>
+          <a:xfrm>
+            <a:off x="2036236" y="5640693"/>
+            <a:ext cx="1486107" cy="171474"/>
+          </a:xfrm>
+          <a:prstGeom prst="rect">
+            <a:avLst/>
+          </a:prstGeom>
+        </p:spPr>
+      </p:pic>
+      <p:pic>
+        <p:nvPicPr>
+          <p:cNvPr id="37" name="Рисунок 36">
+            <a:extLst>
+              <a:ext uri="{FF2B5EF4-FFF2-40B4-BE49-F238E27FC236}">
+                <a16:creationId xmlns:a16="http://schemas.microsoft.com/office/drawing/2014/main" id="{B7370301-024B-4A9D-9DE2-C078C2E8D03F}"/>
+              </a:ext>
+            </a:extLst>
+          </p:cNvPr>
+          <p:cNvPicPr>
+            <a:picLocks noChangeAspect="1"/>
+          </p:cNvPicPr>
+          <p:nvPr/>
+        </p:nvPicPr>
+        <p:blipFill>
+          <a:blip r:embed="rId10"/>
+          <a:stretch>
+            <a:fillRect/>
+          </a:stretch>
+        </p:blipFill>
+        <p:spPr>
+          <a:xfrm>
+            <a:off x="5005234" y="5947738"/>
+            <a:ext cx="2181529" cy="200053"/>
+          </a:xfrm>
+          <a:prstGeom prst="rect">
+            <a:avLst/>
+          </a:prstGeom>
+        </p:spPr>
+      </p:pic>
+      <p:pic>
+        <p:nvPicPr>
+          <p:cNvPr id="38" name="Рисунок 37">
+            <a:extLst>
+              <a:ext uri="{FF2B5EF4-FFF2-40B4-BE49-F238E27FC236}">
+                <a16:creationId xmlns:a16="http://schemas.microsoft.com/office/drawing/2014/main" id="{895245BE-39EC-41E2-8DDE-DD5DE2CEA516}"/>
+              </a:ext>
+            </a:extLst>
+          </p:cNvPr>
+          <p:cNvPicPr>
+            <a:picLocks noChangeAspect="1"/>
+          </p:cNvPicPr>
+          <p:nvPr/>
+        </p:nvPicPr>
+        <p:blipFill>
+          <a:blip r:embed="rId11"/>
+          <a:stretch>
+            <a:fillRect/>
+          </a:stretch>
+        </p:blipFill>
+        <p:spPr>
+          <a:xfrm>
+            <a:off x="5160991" y="3233981"/>
+            <a:ext cx="1867161" cy="161948"/>
+          </a:xfrm>
+          <a:prstGeom prst="rect">
+            <a:avLst/>
+          </a:prstGeom>
+        </p:spPr>
+      </p:pic>
+      <p:pic>
+        <p:nvPicPr>
+          <p:cNvPr id="39" name="Рисунок 38">
+            <a:extLst>
+              <a:ext uri="{FF2B5EF4-FFF2-40B4-BE49-F238E27FC236}">
+                <a16:creationId xmlns:a16="http://schemas.microsoft.com/office/drawing/2014/main" id="{D78EE623-9FF1-4187-AF98-4A77DF4175EA}"/>
+              </a:ext>
+            </a:extLst>
+          </p:cNvPr>
+          <p:cNvPicPr>
+            <a:picLocks noChangeAspect="1"/>
+          </p:cNvPicPr>
+          <p:nvPr/>
+        </p:nvPicPr>
+        <p:blipFill>
+          <a:blip r:embed="rId12"/>
+          <a:stretch>
+            <a:fillRect/>
+          </a:stretch>
+        </p:blipFill>
+        <p:spPr>
+          <a:xfrm>
+            <a:off x="5684082" y="3715690"/>
+            <a:ext cx="1514686" cy="181000"/>
+          </a:xfrm>
+          <a:prstGeom prst="rect">
+            <a:avLst/>
+          </a:prstGeom>
+        </p:spPr>
+      </p:pic>
+      <p:pic>
+        <p:nvPicPr>
+          <p:cNvPr id="40" name="Рисунок 39">
+            <a:extLst>
+              <a:ext uri="{FF2B5EF4-FFF2-40B4-BE49-F238E27FC236}">
+                <a16:creationId xmlns:a16="http://schemas.microsoft.com/office/drawing/2014/main" id="{A2644C98-F958-4214-A436-9A54AEB83C87}"/>
+              </a:ext>
+            </a:extLst>
+          </p:cNvPr>
+          <p:cNvPicPr>
+            <a:picLocks noChangeAspect="1"/>
+          </p:cNvPicPr>
+          <p:nvPr/>
+        </p:nvPicPr>
+        <p:blipFill>
+          <a:blip r:embed="rId13"/>
+          <a:stretch>
+            <a:fillRect/>
+          </a:stretch>
+        </p:blipFill>
+        <p:spPr>
+          <a:xfrm>
+            <a:off x="10326772" y="1978330"/>
+            <a:ext cx="1676634" cy="181000"/>
+          </a:xfrm>
+          <a:prstGeom prst="rect">
+            <a:avLst/>
+          </a:prstGeom>
+        </p:spPr>
+      </p:pic>
+      <p:pic>
+        <p:nvPicPr>
+          <p:cNvPr id="41" name="Рисунок 40">
+            <a:extLst>
+              <a:ext uri="{FF2B5EF4-FFF2-40B4-BE49-F238E27FC236}">
+                <a16:creationId xmlns:a16="http://schemas.microsoft.com/office/drawing/2014/main" id="{8269EB61-B073-430C-96A7-D7F3A6E9127D}"/>
+              </a:ext>
+            </a:extLst>
+          </p:cNvPr>
+          <p:cNvPicPr>
+            <a:picLocks noChangeAspect="1"/>
+          </p:cNvPicPr>
+          <p:nvPr/>
+        </p:nvPicPr>
+        <p:blipFill>
+          <a:blip r:embed="rId14"/>
+          <a:stretch>
+            <a:fillRect/>
+          </a:stretch>
+        </p:blipFill>
+        <p:spPr>
+          <a:xfrm>
+            <a:off x="10631614" y="1418907"/>
+            <a:ext cx="1066949" cy="181000"/>
+          </a:xfrm>
+          <a:prstGeom prst="rect">
+            <a:avLst/>
+          </a:prstGeom>
+        </p:spPr>
+      </p:pic>
+      <p:cxnSp>
+        <p:nvCxnSpPr>
+          <p:cNvPr id="43" name="Прямая соединительная линия 42">
+            <a:extLst>
+              <a:ext uri="{FF2B5EF4-FFF2-40B4-BE49-F238E27FC236}">
+                <a16:creationId xmlns:a16="http://schemas.microsoft.com/office/drawing/2014/main" id="{8DC97D72-69C5-4B28-B902-FFAD54A84F59}"/>
+              </a:ext>
+            </a:extLst>
+          </p:cNvPr>
+          <p:cNvCxnSpPr>
+            <a:stCxn id="2" idx="3"/>
+          </p:cNvCxnSpPr>
+          <p:nvPr/>
+        </p:nvCxnSpPr>
+        <p:spPr>
+          <a:xfrm flipV="1">
+            <a:off x="10539571" y="1003993"/>
+            <a:ext cx="625517" cy="1"/>
+          </a:xfrm>
+          <a:prstGeom prst="line">
+            <a:avLst/>
+          </a:prstGeom>
+        </p:spPr>
+        <p:style>
+          <a:lnRef idx="3">
+            <a:schemeClr val="dk1"/>
+          </a:lnRef>
+          <a:fillRef idx="0">
+            <a:schemeClr val="dk1"/>
+          </a:fillRef>
+          <a:effectRef idx="2">
+            <a:schemeClr val="dk1"/>
+          </a:effectRef>
+          <a:fontRef idx="minor">
+            <a:schemeClr val="tx1"/>
+          </a:fontRef>
+        </p:style>
+      </p:cxnSp>
+      <p:cxnSp>
+        <p:nvCxnSpPr>
+          <p:cNvPr id="45" name="Прямая со стрелкой 44">
+            <a:extLst>
+              <a:ext uri="{FF2B5EF4-FFF2-40B4-BE49-F238E27FC236}">
+                <a16:creationId xmlns:a16="http://schemas.microsoft.com/office/drawing/2014/main" id="{62007BD9-F3C6-43AF-BBB5-08DD4C04AF50}"/>
+              </a:ext>
+            </a:extLst>
+          </p:cNvPr>
+          <p:cNvCxnSpPr/>
+          <p:nvPr/>
+        </p:nvCxnSpPr>
+        <p:spPr>
+          <a:xfrm>
+            <a:off x="11165088" y="1003993"/>
+            <a:ext cx="0" cy="307886"/>
+          </a:xfrm>
+          <a:prstGeom prst="straightConnector1">
+            <a:avLst/>
+          </a:prstGeom>
+          <a:ln>
+            <a:tailEnd type="triangle"/>
+          </a:ln>
+        </p:spPr>
+        <p:style>
+          <a:lnRef idx="3">
+            <a:schemeClr val="dk1"/>
+          </a:lnRef>
+          <a:fillRef idx="0">
+            <a:schemeClr val="dk1"/>
+          </a:fillRef>
+          <a:effectRef idx="2">
+            <a:schemeClr val="dk1"/>
+          </a:effectRef>
+          <a:fontRef idx="minor">
+            <a:schemeClr val="tx1"/>
+          </a:fontRef>
+        </p:style>
+      </p:cxnSp>
+    </p:spTree>
+    <p:extLst>
+      <p:ext uri="{BB962C8B-B14F-4D97-AF65-F5344CB8AC3E}">
+        <p14:creationId xmlns:p14="http://schemas.microsoft.com/office/powerpoint/2010/main" val="660346981"/>
+      </p:ext>
+    </p:extLst>
+  </p:cSld>
+  <p:clrMapOvr>
+    <a:masterClrMapping/>
+  </p:clrMapOvr>
+</p:sld>
+</file>
+
+<file path=ppt/slides/slide8.xml><?xml version="1.0" encoding="utf-8"?>
 <p:sld xmlns:a="http://schemas.openxmlformats.org/drawingml/2006/main" xmlns:r="http://schemas.openxmlformats.org/officeDocument/2006/relationships" xmlns:p="http://schemas.openxmlformats.org/presentationml/2006/main">
   <p:cSld>
     <p:spTree>
